--- a/powerpoints/RBasics.pptx
+++ b/powerpoints/RBasics.pptx
@@ -5474,8 +5474,9 @@
             </a:pPr>
             <a:r>
               <a:rPr lang="en-US" dirty="0" smtClean="0"/>
-              <a:t>LDA</a:t>
-            </a:r>
+              <a:t>Topic Modeling (LDA)</a:t>
+            </a:r>
+            <a:endParaRPr lang="en-US" dirty="0" smtClean="0"/>
           </a:p>
           <a:p>
             <a:pPr marL="0" indent="0">
@@ -6702,8 +6703,8 @@
           <a:lstStyle/>
           <a:p>
             <a:r>
-              <a:rPr lang="en-US" dirty="0" err="1" smtClean="0"/>
-              <a:t>Hashtags</a:t>
+              <a:rPr lang="en-US" dirty="0" smtClean="0"/>
+              <a:t>Twitter</a:t>
             </a:r>
             <a:endParaRPr lang="en-US" dirty="0"/>
           </a:p>
@@ -6711,7 +6712,7 @@
       </p:sp>
       <p:pic>
         <p:nvPicPr>
-          <p:cNvPr id="4" name="Content Placeholder 3" descr="Screen Shot 2016-01-29 at 6.24.57 AM.png"/>
+          <p:cNvPr id="5" name="Content Placeholder 4" descr="Screen Shot 2016-03-23 at 5.25.33 PM.png"/>
           <p:cNvPicPr>
             <a:picLocks noGrp="1" noChangeAspect="1"/>
           </p:cNvPicPr>
@@ -6727,7 +6728,7 @@
               </a:ext>
             </a:extLst>
           </a:blip>
-          <a:srcRect l="-29882" r="-29882"/>
+          <a:srcRect l="-29471" r="-29471"/>
           <a:stretch>
             <a:fillRect/>
           </a:stretch>

--- a/powerpoints/RBasics.pptx
+++ b/powerpoints/RBasics.pptx
@@ -5,21 +5,24 @@
     <p:sldMasterId id="2147483675" r:id="rId1"/>
   </p:sldMasterIdLst>
   <p:notesMasterIdLst>
-    <p:notesMasterId r:id="rId14"/>
+    <p:notesMasterId r:id="rId17"/>
   </p:notesMasterIdLst>
   <p:sldIdLst>
     <p:sldId id="268" r:id="rId2"/>
     <p:sldId id="257" r:id="rId3"/>
     <p:sldId id="265" r:id="rId4"/>
     <p:sldId id="266" r:id="rId5"/>
-    <p:sldId id="264" r:id="rId6"/>
-    <p:sldId id="258" r:id="rId7"/>
+    <p:sldId id="269" r:id="rId6"/>
+    <p:sldId id="264" r:id="rId7"/>
     <p:sldId id="259" r:id="rId8"/>
     <p:sldId id="260" r:id="rId9"/>
     <p:sldId id="261" r:id="rId10"/>
-    <p:sldId id="262" r:id="rId11"/>
-    <p:sldId id="267" r:id="rId12"/>
-    <p:sldId id="263" r:id="rId13"/>
+    <p:sldId id="270" r:id="rId11"/>
+    <p:sldId id="262" r:id="rId12"/>
+    <p:sldId id="267" r:id="rId13"/>
+    <p:sldId id="271" r:id="rId14"/>
+    <p:sldId id="272" r:id="rId15"/>
+    <p:sldId id="263" r:id="rId16"/>
   </p:sldIdLst>
   <p:sldSz cx="9144000" cy="6858000" type="screen4x3"/>
   <p:notesSz cx="6858000" cy="9144000"/>
@@ -203,7 +206,7 @@
           <a:p>
             <a:fld id="{F3F6B7C8-6278-1648-86E2-E384EFF541CE}" type="datetimeFigureOut">
               <a:rPr lang="en-US" smtClean="0"/>
-              <a:t>3/11/16</a:t>
+              <a:t>3/23/16</a:t>
             </a:fld>
             <a:endParaRPr lang="en-US"/>
           </a:p>
@@ -972,7 +975,7 @@
           <a:p>
             <a:fld id="{59E2836E-75A4-994B-AEEF-8E026C606B1C}" type="slidenum">
               <a:rPr lang="en-US" smtClean="0"/>
-              <a:t>6</a:t>
+              <a:t>14</a:t>
             </a:fld>
             <a:endParaRPr lang="en-US"/>
           </a:p>
@@ -1330,7 +1333,7 @@
           <a:p>
             <a:fld id="{D85AC8A2-C63C-49A4-89E9-2E4420D2ECA8}" type="datetimeFigureOut">
               <a:rPr lang="en-US" smtClean="0"/>
-              <a:t>3/11/16</a:t>
+              <a:t>3/23/16</a:t>
             </a:fld>
             <a:endParaRPr lang="en-US"/>
           </a:p>
@@ -1511,7 +1514,7 @@
           <a:p>
             <a:fld id="{D85AC8A2-C63C-49A4-89E9-2E4420D2ECA8}" type="datetimeFigureOut">
               <a:rPr lang="en-US" smtClean="0"/>
-              <a:t>3/11/16</a:t>
+              <a:t>3/23/16</a:t>
             </a:fld>
             <a:endParaRPr lang="en-US"/>
           </a:p>
@@ -1682,7 +1685,7 @@
           <a:p>
             <a:fld id="{D85AC8A2-C63C-49A4-89E9-2E4420D2ECA8}" type="datetimeFigureOut">
               <a:rPr lang="en-US" smtClean="0"/>
-              <a:t>3/11/16</a:t>
+              <a:t>3/23/16</a:t>
             </a:fld>
             <a:endParaRPr lang="en-US"/>
           </a:p>
@@ -1875,7 +1878,7 @@
           <a:p>
             <a:fld id="{D85AC8A2-C63C-49A4-89E9-2E4420D2ECA8}" type="datetimeFigureOut">
               <a:rPr lang="en-US" smtClean="0"/>
-              <a:t>3/11/16</a:t>
+              <a:t>3/23/16</a:t>
             </a:fld>
             <a:endParaRPr lang="en-US"/>
           </a:p>
@@ -2164,7 +2167,7 @@
           <a:p>
             <a:fld id="{D85AC8A2-C63C-49A4-89E9-2E4420D2ECA8}" type="datetimeFigureOut">
               <a:rPr lang="en-US" smtClean="0"/>
-              <a:t>3/11/16</a:t>
+              <a:t>3/23/16</a:t>
             </a:fld>
             <a:endParaRPr lang="en-US"/>
           </a:p>
@@ -2592,7 +2595,7 @@
           <a:p>
             <a:fld id="{D85AC8A2-C63C-49A4-89E9-2E4420D2ECA8}" type="datetimeFigureOut">
               <a:rPr lang="en-US" smtClean="0"/>
-              <a:t>3/11/16</a:t>
+              <a:t>3/23/16</a:t>
             </a:fld>
             <a:endParaRPr lang="en-US"/>
           </a:p>
@@ -2711,7 +2714,7 @@
           <a:p>
             <a:fld id="{D85AC8A2-C63C-49A4-89E9-2E4420D2ECA8}" type="datetimeFigureOut">
               <a:rPr lang="en-US" smtClean="0"/>
-              <a:t>3/11/16</a:t>
+              <a:t>3/23/16</a:t>
             </a:fld>
             <a:endParaRPr lang="en-US"/>
           </a:p>
@@ -2807,7 +2810,7 @@
           <a:p>
             <a:fld id="{D85AC8A2-C63C-49A4-89E9-2E4420D2ECA8}" type="datetimeFigureOut">
               <a:rPr lang="en-US" smtClean="0"/>
-              <a:t>3/11/16</a:t>
+              <a:t>3/23/16</a:t>
             </a:fld>
             <a:endParaRPr lang="en-US"/>
           </a:p>
@@ -3085,7 +3088,7 @@
           <a:p>
             <a:fld id="{D85AC8A2-C63C-49A4-89E9-2E4420D2ECA8}" type="datetimeFigureOut">
               <a:rPr lang="en-US" smtClean="0"/>
-              <a:t>3/11/16</a:t>
+              <a:t>3/23/16</a:t>
             </a:fld>
             <a:endParaRPr lang="en-US"/>
           </a:p>
@@ -3246,7 +3249,6 @@
               <a:rPr lang="en-US" noProof="0" smtClean="0"/>
               <a:t>Drag picture to placeholder or click icon to add</a:t>
             </a:r>
-            <a:endParaRPr lang="en-US" noProof="0" smtClean="0"/>
           </a:p>
         </p:txBody>
       </p:sp>
@@ -3344,7 +3346,7 @@
           <a:p>
             <a:fld id="{D85AC8A2-C63C-49A4-89E9-2E4420D2ECA8}" type="datetimeFigureOut">
               <a:rPr lang="en-US" smtClean="0"/>
-              <a:t>3/11/16</a:t>
+              <a:t>3/23/16</a:t>
             </a:fld>
             <a:endParaRPr lang="en-US"/>
           </a:p>
@@ -4923,14 +4925,7 @@
                 <a:latin typeface="BentonSans Regular"/>
                 <a:cs typeface="BentonSans Regular"/>
               </a:rPr>
-              <a:t>, </a:t>
-            </a:r>
-            <a:r>
-              <a:rPr lang="en-US" sz="1200" i="0" dirty="0" smtClean="0">
-                <a:latin typeface="BentonSans Regular"/>
-                <a:cs typeface="BentonSans Regular"/>
-              </a:rPr>
-              <a:t>2016</a:t>
+              <a:t>, 2016</a:t>
             </a:r>
             <a:endParaRPr lang="en-US" sz="1200" i="0" dirty="0">
               <a:latin typeface="BentonSans Regular"/>
@@ -5440,6 +5435,78 @@
           <a:p>
             <a:r>
               <a:rPr lang="en-US" dirty="0" smtClean="0"/>
+              <a:t>Twitter: “Easter” on 3/26/16</a:t>
+            </a:r>
+            <a:endParaRPr lang="en-US" dirty="0"/>
+          </a:p>
+        </p:txBody>
+      </p:sp>
+      <p:pic>
+        <p:nvPicPr>
+          <p:cNvPr id="4" name="Content Placeholder 3"/>
+          <p:cNvPicPr>
+            <a:picLocks noGrp="1" noChangeAspect="1"/>
+          </p:cNvPicPr>
+          <p:nvPr>
+            <p:ph idx="1"/>
+          </p:nvPr>
+        </p:nvPicPr>
+        <p:blipFill>
+          <a:blip r:embed="rId2"/>
+          <a:srcRect l="-20185" r="-20185"/>
+          <a:stretch>
+            <a:fillRect/>
+          </a:stretch>
+        </p:blipFill>
+        <p:spPr/>
+      </p:pic>
+    </p:spTree>
+    <p:extLst>
+      <p:ext uri="{BB962C8B-B14F-4D97-AF65-F5344CB8AC3E}">
+        <p14:creationId xmlns:p14="http://schemas.microsoft.com/office/powerpoint/2010/main" val="3607148885"/>
+      </p:ext>
+    </p:extLst>
+  </p:cSld>
+  <p:clrMapOvr>
+    <a:masterClrMapping/>
+  </p:clrMapOvr>
+</p:sld>
+</file>
+
+<file path=ppt/slides/slide11.xml><?xml version="1.0" encoding="utf-8"?>
+<p:sld xmlns:a="http://schemas.openxmlformats.org/drawingml/2006/main" xmlns:r="http://schemas.openxmlformats.org/officeDocument/2006/relationships" xmlns:p="http://schemas.openxmlformats.org/presentationml/2006/main">
+  <p:cSld>
+    <p:spTree>
+      <p:nvGrpSpPr>
+        <p:cNvPr id="1" name=""/>
+        <p:cNvGrpSpPr/>
+        <p:nvPr/>
+      </p:nvGrpSpPr>
+      <p:grpSpPr>
+        <a:xfrm>
+          <a:off x="0" y="0"/>
+          <a:ext cx="0" cy="0"/>
+          <a:chOff x="0" y="0"/>
+          <a:chExt cx="0" cy="0"/>
+        </a:xfrm>
+      </p:grpSpPr>
+      <p:sp>
+        <p:nvSpPr>
+          <p:cNvPr id="2" name="Title 1"/>
+          <p:cNvSpPr>
+            <a:spLocks noGrp="1"/>
+          </p:cNvSpPr>
+          <p:nvPr>
+            <p:ph type="title"/>
+          </p:nvPr>
+        </p:nvSpPr>
+        <p:spPr/>
+        <p:txBody>
+          <a:bodyPr/>
+          <a:lstStyle/>
+          <a:p>
+            <a:r>
+              <a:rPr lang="en-US" dirty="0" smtClean="0"/>
               <a:t>Why use </a:t>
             </a:r>
             <a:r>
@@ -5476,7 +5543,6 @@
               <a:rPr lang="en-US" dirty="0" smtClean="0"/>
               <a:t>Topic Modeling (LDA)</a:t>
             </a:r>
-            <a:endParaRPr lang="en-US" dirty="0" smtClean="0"/>
           </a:p>
           <a:p>
             <a:pPr marL="0" indent="0">
@@ -5536,7 +5602,7 @@
 </p:sld>
 </file>
 
-<file path=ppt/slides/slide11.xml><?xml version="1.0" encoding="utf-8"?>
+<file path=ppt/slides/slide12.xml><?xml version="1.0" encoding="utf-8"?>
 <p:sld xmlns:a="http://schemas.openxmlformats.org/drawingml/2006/main" xmlns:r="http://schemas.openxmlformats.org/officeDocument/2006/relationships" xmlns:p="http://schemas.openxmlformats.org/presentationml/2006/main">
   <p:cSld>
     <p:spTree>
@@ -5621,7 +5687,250 @@
 </p:sld>
 </file>
 
-<file path=ppt/slides/slide12.xml><?xml version="1.0" encoding="utf-8"?>
+<file path=ppt/slides/slide13.xml><?xml version="1.0" encoding="utf-8"?>
+<p:sld xmlns:a="http://schemas.openxmlformats.org/drawingml/2006/main" xmlns:r="http://schemas.openxmlformats.org/officeDocument/2006/relationships" xmlns:p="http://schemas.openxmlformats.org/presentationml/2006/main">
+  <p:cSld>
+    <p:spTree>
+      <p:nvGrpSpPr>
+        <p:cNvPr id="1" name=""/>
+        <p:cNvGrpSpPr/>
+        <p:nvPr/>
+      </p:nvGrpSpPr>
+      <p:grpSpPr>
+        <a:xfrm>
+          <a:off x="0" y="0"/>
+          <a:ext cx="0" cy="0"/>
+          <a:chOff x="0" y="0"/>
+          <a:chExt cx="0" cy="0"/>
+        </a:xfrm>
+      </p:grpSpPr>
+      <p:sp>
+        <p:nvSpPr>
+          <p:cNvPr id="2" name="Title 1"/>
+          <p:cNvSpPr>
+            <a:spLocks noGrp="1"/>
+          </p:cNvSpPr>
+          <p:nvPr>
+            <p:ph type="title"/>
+          </p:nvPr>
+        </p:nvSpPr>
+        <p:spPr/>
+        <p:txBody>
+          <a:bodyPr/>
+          <a:lstStyle/>
+          <a:p>
+            <a:r>
+              <a:rPr lang="en-US" dirty="0" smtClean="0"/>
+              <a:t>Shiny!</a:t>
+            </a:r>
+            <a:endParaRPr lang="en-US" dirty="0"/>
+          </a:p>
+        </p:txBody>
+      </p:sp>
+      <p:sp>
+        <p:nvSpPr>
+          <p:cNvPr id="3" name="Content Placeholder 2"/>
+          <p:cNvSpPr>
+            <a:spLocks noGrp="1"/>
+          </p:cNvSpPr>
+          <p:nvPr>
+            <p:ph idx="1"/>
+          </p:nvPr>
+        </p:nvSpPr>
+        <p:spPr/>
+        <p:txBody>
+          <a:bodyPr/>
+          <a:lstStyle/>
+          <a:p>
+            <a:r>
+              <a:rPr lang="en-US" dirty="0">
+                <a:hlinkClick r:id="rId2"/>
+              </a:rPr>
+              <a:t>https://beta.rstudioconnect.com/ghthomas/Twitter</a:t>
+            </a:r>
+            <a:r>
+              <a:rPr lang="en-US" dirty="0" smtClean="0">
+                <a:hlinkClick r:id="rId2"/>
+              </a:rPr>
+              <a:t>/</a:t>
+            </a:r>
+            <a:endParaRPr lang="en-US" dirty="0" smtClean="0"/>
+          </a:p>
+          <a:p>
+            <a:endParaRPr lang="en-US" dirty="0" smtClean="0"/>
+          </a:p>
+          <a:p>
+            <a:endParaRPr lang="en-US" dirty="0"/>
+          </a:p>
+        </p:txBody>
+      </p:sp>
+      <p:pic>
+        <p:nvPicPr>
+          <p:cNvPr id="4" name="Picture 3" descr="Screen Shot 2016-03-25 at 11.53.46 AM.png"/>
+          <p:cNvPicPr>
+            <a:picLocks noChangeAspect="1"/>
+          </p:cNvPicPr>
+          <p:nvPr/>
+        </p:nvPicPr>
+        <p:blipFill>
+          <a:blip r:embed="rId3" cstate="print">
+            <a:extLst>
+              <a:ext uri="{28A0092B-C50C-407E-A947-70E740481C1C}">
+                <a14:useLocalDpi xmlns:a14="http://schemas.microsoft.com/office/drawing/2010/main" val="0"/>
+              </a:ext>
+            </a:extLst>
+          </a:blip>
+          <a:stretch>
+            <a:fillRect/>
+          </a:stretch>
+        </p:blipFill>
+        <p:spPr>
+          <a:xfrm>
+            <a:off x="419100" y="1616129"/>
+            <a:ext cx="8115300" cy="4133218"/>
+          </a:xfrm>
+          <a:prstGeom prst="rect">
+            <a:avLst/>
+          </a:prstGeom>
+        </p:spPr>
+      </p:pic>
+    </p:spTree>
+    <p:extLst>
+      <p:ext uri="{BB962C8B-B14F-4D97-AF65-F5344CB8AC3E}">
+        <p14:creationId xmlns:p14="http://schemas.microsoft.com/office/powerpoint/2010/main" val="3038289492"/>
+      </p:ext>
+    </p:extLst>
+  </p:cSld>
+  <p:clrMapOvr>
+    <a:masterClrMapping/>
+  </p:clrMapOvr>
+</p:sld>
+</file>
+
+<file path=ppt/slides/slide14.xml><?xml version="1.0" encoding="utf-8"?>
+<p:sld xmlns:a="http://schemas.openxmlformats.org/drawingml/2006/main" xmlns:r="http://schemas.openxmlformats.org/officeDocument/2006/relationships" xmlns:p="http://schemas.openxmlformats.org/presentationml/2006/main">
+  <p:cSld>
+    <p:spTree>
+      <p:nvGrpSpPr>
+        <p:cNvPr id="1" name=""/>
+        <p:cNvGrpSpPr/>
+        <p:nvPr/>
+      </p:nvGrpSpPr>
+      <p:grpSpPr>
+        <a:xfrm>
+          <a:off x="0" y="0"/>
+          <a:ext cx="0" cy="0"/>
+          <a:chOff x="0" y="0"/>
+          <a:chExt cx="0" cy="0"/>
+        </a:xfrm>
+      </p:grpSpPr>
+      <p:sp>
+        <p:nvSpPr>
+          <p:cNvPr id="2" name="Title 1"/>
+          <p:cNvSpPr>
+            <a:spLocks noGrp="1"/>
+          </p:cNvSpPr>
+          <p:nvPr>
+            <p:ph type="title"/>
+          </p:nvPr>
+        </p:nvSpPr>
+        <p:spPr/>
+        <p:txBody>
+          <a:bodyPr/>
+          <a:lstStyle/>
+          <a:p>
+            <a:r>
+              <a:rPr lang="en-US" dirty="0" err="1" smtClean="0"/>
+              <a:t>GiTHUB</a:t>
+            </a:r>
+            <a:endParaRPr lang="en-US" dirty="0"/>
+          </a:p>
+        </p:txBody>
+      </p:sp>
+      <p:sp>
+        <p:nvSpPr>
+          <p:cNvPr id="3" name="Content Placeholder 2"/>
+          <p:cNvSpPr>
+            <a:spLocks noGrp="1"/>
+          </p:cNvSpPr>
+          <p:nvPr>
+            <p:ph idx="1"/>
+          </p:nvPr>
+        </p:nvSpPr>
+        <p:spPr/>
+        <p:txBody>
+          <a:bodyPr/>
+          <a:lstStyle/>
+          <a:p>
+            <a:endParaRPr lang="en-US" dirty="0" smtClean="0"/>
+          </a:p>
+          <a:p>
+            <a:endParaRPr lang="en-US" dirty="0"/>
+          </a:p>
+          <a:p>
+            <a:r>
+              <a:rPr lang="en-US" dirty="0" smtClean="0"/>
+              <a:t>Go </a:t>
+            </a:r>
+            <a:r>
+              <a:rPr lang="en-US" dirty="0"/>
+              <a:t>to </a:t>
+            </a:r>
+            <a:r>
+              <a:rPr lang="en-US" dirty="0">
+                <a:hlinkClick r:id="rId3"/>
+              </a:rPr>
+              <a:t>https://github.com/cyberdh/</a:t>
+            </a:r>
+            <a:r>
+              <a:rPr lang="en-US" dirty="0" smtClean="0">
+                <a:hlinkClick r:id="rId3"/>
+              </a:rPr>
+              <a:t>Text_Analysis</a:t>
+            </a:r>
+            <a:r>
+              <a:rPr lang="en-US" dirty="0" smtClean="0"/>
+              <a:t> </a:t>
+            </a:r>
+          </a:p>
+          <a:p>
+            <a:pPr lvl="1"/>
+            <a:r>
+              <a:rPr lang="en-US" dirty="0" smtClean="0"/>
+              <a:t>If you are unfamiliar or don’t have an account with </a:t>
+            </a:r>
+            <a:r>
+              <a:rPr lang="en-US" dirty="0" err="1" smtClean="0"/>
+              <a:t>Github</a:t>
+            </a:r>
+            <a:r>
+              <a:rPr lang="en-US" dirty="0" smtClean="0"/>
+              <a:t>, just click “Download Zip,” otherwise fork this repository. </a:t>
+            </a:r>
+          </a:p>
+        </p:txBody>
+      </p:sp>
+    </p:spTree>
+    <p:extLst>
+      <p:ext uri="{BB962C8B-B14F-4D97-AF65-F5344CB8AC3E}">
+        <p14:creationId xmlns:p14="http://schemas.microsoft.com/office/powerpoint/2010/main" val="1340850920"/>
+      </p:ext>
+    </p:extLst>
+  </p:cSld>
+  <p:clrMapOvr>
+    <a:masterClrMapping/>
+  </p:clrMapOvr>
+  <p:timing>
+    <p:tnLst>
+      <p:par>
+        <p:cTn xmlns:p14="http://schemas.microsoft.com/office/powerpoint/2010/main" id="1" dur="indefinite" restart="never" nodeType="tmRoot"/>
+      </p:par>
+    </p:tnLst>
+  </p:timing>
+</p:sld>
+</file>
+
+<file path=ppt/slides/slide15.xml><?xml version="1.0" encoding="utf-8"?>
 <p:sld xmlns:a="http://schemas.openxmlformats.org/drawingml/2006/main" xmlns:r="http://schemas.openxmlformats.org/officeDocument/2006/relationships" xmlns:p="http://schemas.openxmlformats.org/presentationml/2006/main">
   <p:cSld>
     <p:spTree>
@@ -6038,7 +6347,11 @@
           <a:p>
             <a:r>
               <a:rPr lang="en-US" dirty="0" smtClean="0"/>
-              <a:t>MORE Uses</a:t>
+              <a:t>More </a:t>
+            </a:r>
+            <a:r>
+              <a:rPr lang="en-US" dirty="0" smtClean="0"/>
+              <a:t>Uses</a:t>
             </a:r>
             <a:endParaRPr lang="en-US" dirty="0"/>
           </a:p>
@@ -6157,103 +6470,55 @@
           <a:p>
             <a:r>
               <a:rPr lang="en-US" dirty="0" smtClean="0"/>
-              <a:t>r, Me </a:t>
+              <a:t>Shakespeare </a:t>
             </a:r>
             <a:r>
               <a:rPr lang="en-US" dirty="0" err="1" smtClean="0"/>
-              <a:t>Matey</a:t>
-            </a:r>
-            <a:r>
-              <a:rPr lang="en-US" dirty="0" smtClean="0"/>
-              <a:t>!</a:t>
+              <a:t>Dendogram</a:t>
             </a:r>
             <a:endParaRPr lang="en-US" dirty="0"/>
           </a:p>
         </p:txBody>
       </p:sp>
-      <p:sp>
-        <p:nvSpPr>
-          <p:cNvPr id="3" name="Content Placeholder 2"/>
-          <p:cNvSpPr>
-            <a:spLocks noGrp="1"/>
-          </p:cNvSpPr>
+      <p:pic>
+        <p:nvPicPr>
+          <p:cNvPr id="4" name="Shape 135"/>
+          <p:cNvPicPr preferRelativeResize="0">
+            <a:picLocks noGrp="1"/>
+          </p:cNvPicPr>
           <p:nvPr>
             <p:ph idx="1"/>
           </p:nvPr>
-        </p:nvSpPr>
-        <p:spPr/>
-        <p:txBody>
-          <a:bodyPr/>
-          <a:lstStyle/>
-          <a:p>
-            <a:pPr marL="0" indent="0">
-              <a:buNone/>
-            </a:pPr>
-            <a:endParaRPr lang="en-US" dirty="0" smtClean="0"/>
-          </a:p>
-          <a:p>
-            <a:pPr marL="0" indent="0">
-              <a:buNone/>
-            </a:pPr>
-            <a:endParaRPr lang="en-US" dirty="0"/>
-          </a:p>
-          <a:p>
-            <a:pPr marL="0" indent="0">
-              <a:buNone/>
-            </a:pPr>
-            <a:r>
-              <a:rPr lang="en-US" dirty="0" smtClean="0"/>
-              <a:t>Let’s </a:t>
-            </a:r>
-            <a:r>
-              <a:rPr lang="en-US" dirty="0"/>
-              <a:t>get started! </a:t>
-            </a:r>
-          </a:p>
-          <a:p>
-            <a:pPr marL="0" indent="0">
-              <a:buNone/>
-            </a:pPr>
-            <a:r>
-              <a:rPr lang="en-US" dirty="0">
-                <a:hlinkClick r:id="rId2"/>
-              </a:rPr>
-              <a:t>http://tryr.codeschool.com/levels/1/challenges/</a:t>
-            </a:r>
-            <a:r>
-              <a:rPr lang="en-US" dirty="0" smtClean="0">
-                <a:hlinkClick r:id="rId2"/>
-              </a:rPr>
-              <a:t>1</a:t>
-            </a:r>
-            <a:r>
-              <a:rPr lang="en-US" dirty="0" smtClean="0"/>
-              <a:t> </a:t>
-            </a:r>
-            <a:endParaRPr lang="en-US" dirty="0"/>
-          </a:p>
-          <a:p>
-            <a:endParaRPr lang="en-US" dirty="0"/>
-          </a:p>
-        </p:txBody>
-      </p:sp>
+        </p:nvPicPr>
+        <p:blipFill>
+          <a:blip r:embed="rId2">
+            <a:alphaModFix/>
+          </a:blip>
+          <a:srcRect l="-77915" r="-77915"/>
+          <a:stretch>
+            <a:fillRect/>
+          </a:stretch>
+        </p:blipFill>
+        <p:spPr>
+          <a:prstGeom prst="rect">
+            <a:avLst/>
+          </a:prstGeom>
+          <a:noFill/>
+          <a:ln>
+            <a:noFill/>
+          </a:ln>
+        </p:spPr>
+      </p:pic>
     </p:spTree>
     <p:extLst>
       <p:ext uri="{BB962C8B-B14F-4D97-AF65-F5344CB8AC3E}">
-        <p14:creationId xmlns:p14="http://schemas.microsoft.com/office/powerpoint/2010/main" val="4078046061"/>
+        <p14:creationId xmlns:p14="http://schemas.microsoft.com/office/powerpoint/2010/main" val="246949209"/>
       </p:ext>
     </p:extLst>
   </p:cSld>
   <p:clrMapOvr>
     <a:masterClrMapping/>
   </p:clrMapOvr>
-  <p:timing>
-    <p:tnLst>
-      <p:par>
-        <p:cTn xmlns:p14="http://schemas.microsoft.com/office/powerpoint/2010/main" id="1" dur="indefinite" restart="never" nodeType="tmRoot"/>
-      </p:par>
-    </p:tnLst>
-  </p:timing>
 </p:sld>
 </file>
 
@@ -6290,8 +6555,16 @@
           <a:lstStyle/>
           <a:p>
             <a:r>
+              <a:rPr lang="en-US" dirty="0" smtClean="0"/>
+              <a:t>r, Me </a:t>
+            </a:r>
+            <a:r>
               <a:rPr lang="en-US" dirty="0" err="1" smtClean="0"/>
-              <a:t>GiTHUB</a:t>
+              <a:t>Matey</a:t>
+            </a:r>
+            <a:r>
+              <a:rPr lang="en-US" dirty="0" smtClean="0"/>
+              <a:t>!</a:t>
             </a:r>
             <a:endParaRPr lang="en-US" dirty="0"/>
           </a:p>
@@ -6312,58 +6585,61 @@
           <a:bodyPr/>
           <a:lstStyle/>
           <a:p>
+            <a:pPr marL="0" indent="0">
+              <a:buNone/>
+            </a:pPr>
             <a:endParaRPr lang="en-US" dirty="0" smtClean="0"/>
           </a:p>
           <a:p>
+            <a:pPr marL="0" indent="0">
+              <a:buNone/>
+            </a:pPr>
             <a:endParaRPr lang="en-US" dirty="0"/>
           </a:p>
           <a:p>
+            <a:pPr marL="0" indent="0">
+              <a:buNone/>
+            </a:pPr>
             <a:r>
               <a:rPr lang="en-US" dirty="0" smtClean="0"/>
-              <a:t>Go </a:t>
+              <a:t>Let’s </a:t>
             </a:r>
             <a:r>
               <a:rPr lang="en-US" dirty="0"/>
-              <a:t>to </a:t>
-            </a:r>
+              <a:t>get started! </a:t>
+            </a:r>
+          </a:p>
+          <a:p>
+            <a:pPr marL="0" indent="0">
+              <a:buNone/>
+            </a:pPr>
             <a:r>
               <a:rPr lang="en-US" dirty="0">
-                <a:hlinkClick r:id="rId3"/>
+                <a:hlinkClick r:id="rId2"/>
               </a:rPr>
-              <a:t>https://github.com/cyberdh/</a:t>
+              <a:t>http://tryr.codeschool.com/levels/1/challenges/</a:t>
             </a:r>
             <a:r>
               <a:rPr lang="en-US" dirty="0" smtClean="0">
-                <a:hlinkClick r:id="rId3"/>
+                <a:hlinkClick r:id="rId2"/>
               </a:rPr>
-              <a:t>Text_Analysis</a:t>
+              <a:t>1</a:t>
             </a:r>
             <a:r>
               <a:rPr lang="en-US" dirty="0" smtClean="0"/>
               <a:t> </a:t>
             </a:r>
-          </a:p>
-          <a:p>
-            <a:pPr lvl="1"/>
-            <a:r>
-              <a:rPr lang="en-US" dirty="0" smtClean="0"/>
-              <a:t>If you are unfamiliar or don’t have an account with </a:t>
-            </a:r>
-            <a:r>
-              <a:rPr lang="en-US" dirty="0" err="1" smtClean="0"/>
-              <a:t>Github</a:t>
-            </a:r>
-            <a:r>
-              <a:rPr lang="en-US" dirty="0" smtClean="0"/>
-              <a:t>, just click “Download Zip,” otherwise fork this repository. </a:t>
-            </a:r>
+            <a:endParaRPr lang="en-US" dirty="0"/>
+          </a:p>
+          <a:p>
+            <a:endParaRPr lang="en-US" dirty="0"/>
           </a:p>
         </p:txBody>
       </p:sp>
     </p:spTree>
     <p:extLst>
       <p:ext uri="{BB962C8B-B14F-4D97-AF65-F5344CB8AC3E}">
-        <p14:creationId xmlns:p14="http://schemas.microsoft.com/office/powerpoint/2010/main" val="2407865603"/>
+        <p14:creationId xmlns:p14="http://schemas.microsoft.com/office/powerpoint/2010/main" val="4078046061"/>
       </p:ext>
     </p:extLst>
   </p:cSld>
@@ -6704,7 +6980,7 @@
           <a:p>
             <a:r>
               <a:rPr lang="en-US" dirty="0" smtClean="0"/>
-              <a:t>Twitter</a:t>
+              <a:t>Twitter: “Brussels” on 3/23/16</a:t>
             </a:r>
             <a:endParaRPr lang="en-US" dirty="0"/>
           </a:p>
@@ -6712,7 +6988,7 @@
       </p:sp>
       <p:pic>
         <p:nvPicPr>
-          <p:cNvPr id="5" name="Content Placeholder 4" descr="Screen Shot 2016-03-23 at 5.25.33 PM.png"/>
+          <p:cNvPr id="4" name="Content Placeholder 3"/>
           <p:cNvPicPr>
             <a:picLocks noGrp="1" noChangeAspect="1"/>
           </p:cNvPicPr>
@@ -6721,14 +6997,8 @@
           </p:nvPr>
         </p:nvPicPr>
         <p:blipFill>
-          <a:blip r:embed="rId2">
-            <a:extLst>
-              <a:ext uri="{28A0092B-C50C-407E-A947-70E740481C1C}">
-                <a14:useLocalDpi xmlns:a14="http://schemas.microsoft.com/office/drawing/2010/main" val="0"/>
-              </a:ext>
-            </a:extLst>
-          </a:blip>
-          <a:srcRect l="-29471" r="-29471"/>
+          <a:blip r:embed="rId2"/>
+          <a:srcRect l="-20185" r="-20185"/>
           <a:stretch>
             <a:fillRect/>
           </a:stretch>

--- a/powerpoints/RBasics.pptx
+++ b/powerpoints/RBasics.pptx
@@ -5470,6 +5470,13 @@
   <p:clrMapOvr>
     <a:masterClrMapping/>
   </p:clrMapOvr>
+  <p:timing>
+    <p:tnLst>
+      <p:par>
+        <p:cTn xmlns:p14="http://schemas.microsoft.com/office/powerpoint/2010/main" id="1" dur="indefinite" restart="never" nodeType="tmRoot"/>
+      </p:par>
+    </p:tnLst>
+  </p:timing>
 </p:sld>
 </file>
 
@@ -5804,6 +5811,13 @@
   <p:clrMapOvr>
     <a:masterClrMapping/>
   </p:clrMapOvr>
+  <p:timing>
+    <p:tnLst>
+      <p:par>
+        <p:cTn xmlns:p14="http://schemas.microsoft.com/office/powerpoint/2010/main" id="1" dur="indefinite" restart="never" nodeType="tmRoot"/>
+      </p:par>
+    </p:tnLst>
+  </p:timing>
 </p:sld>
 </file>
 
@@ -6377,7 +6391,7 @@
             </a:pPr>
             <a:r>
               <a:rPr lang="en-US" dirty="0" err="1" smtClean="0"/>
-              <a:t>Dendograms</a:t>
+              <a:t>Dendrograms</a:t>
             </a:r>
             <a:endParaRPr lang="en-US" dirty="0" smtClean="0"/>
           </a:p>
@@ -6474,7 +6488,7 @@
             </a:r>
             <a:r>
               <a:rPr lang="en-US" dirty="0" err="1" smtClean="0"/>
-              <a:t>Dendogram</a:t>
+              <a:t>Dendrogram</a:t>
             </a:r>
             <a:endParaRPr lang="en-US" dirty="0"/>
           </a:p>
@@ -6519,6 +6533,13 @@
   <p:clrMapOvr>
     <a:masterClrMapping/>
   </p:clrMapOvr>
+  <p:timing>
+    <p:tnLst>
+      <p:par>
+        <p:cTn xmlns:p14="http://schemas.microsoft.com/office/powerpoint/2010/main" id="1" dur="indefinite" restart="never" nodeType="tmRoot"/>
+      </p:par>
+    </p:tnLst>
+  </p:timing>
 </p:sld>
 </file>
 
